--- a/Bexar County COVID-19 by the Numbers.pptx
+++ b/Bexar County COVID-19 by the Numbers.pptx
@@ -256,7 +256,7 @@
       <p15:sldGuideLst xmlns:p15="http://schemas.microsoft.com/office/powerpoint/2012/main"/>
     </p:ext>
     <p:ext uri="http://customooxmlschemas.google.com/">
-      <go:slidesCustomData xmlns="" xmlns:mc="http://schemas.openxmlformats.org/markup-compatibility/2006" xmlns:mv="urn:schemas-microsoft-com:mac:vml" xmlns:c="http://schemas.openxmlformats.org/drawingml/2006/chart" xmlns:dgm="http://schemas.openxmlformats.org/drawingml/2006/diagram" xmlns:o="urn:schemas-microsoft-com:office:office" xmlns:v="urn:schemas-microsoft-com:vml" xmlns:pvml="urn:schemas-microsoft-com:office:powerpoint" xmlns:com="http://schemas.openxmlformats.org/drawingml/2006/compatibility" xmlns:p14="http://schemas.microsoft.com/office/powerpoint/2010/main" xmlns:p15="http://schemas.microsoft.com/office/powerpoint/2012/main" xmlns:ahyp="http://schemas.microsoft.com/office/drawing/2018/hyperlinkcolor" xmlns:go="http://customooxmlschemas.google.com/" r:id="rId15" roundtripDataSignature="AMtx7mhWbM8qdndK2ZVu/UWP3WaqrPWGcg=="/>
+      <go:slidesCustomData xmlns:go="http://customooxmlschemas.google.com/" xmlns:ahyp="http://schemas.microsoft.com/office/drawing/2018/hyperlinkcolor" xmlns:p15="http://schemas.microsoft.com/office/powerpoint/2012/main" xmlns:p14="http://schemas.microsoft.com/office/powerpoint/2010/main" xmlns:com="http://schemas.openxmlformats.org/drawingml/2006/compatibility" xmlns:pvml="urn:schemas-microsoft-com:office:powerpoint" xmlns:v="urn:schemas-microsoft-com:vml" xmlns:o="urn:schemas-microsoft-com:office:office" xmlns:dgm="http://schemas.openxmlformats.org/drawingml/2006/diagram" xmlns:c="http://schemas.openxmlformats.org/drawingml/2006/chart" xmlns:mv="urn:schemas-microsoft-com:mac:vml" xmlns:mc="http://schemas.openxmlformats.org/markup-compatibility/2006" xmlns="" r:id="rId15" roundtripDataSignature="AMtx7mhWbM8qdndK2ZVu/UWP3WaqrPWGcg=="/>
     </p:ext>
   </p:extLst>
 </p:presentation>
@@ -18953,7 +18953,7 @@
         </p:blipFill>
         <p:spPr>
           <a:xfrm>
-            <a:off x="4823725" y="1242209"/>
+            <a:off x="5320755" y="1630079"/>
             <a:ext cx="5485714" cy="3657143"/>
           </a:xfrm>
           <a:prstGeom prst="rect">

--- a/Bexar County COVID-19 by the Numbers.pptx
+++ b/Bexar County COVID-19 by the Numbers.pptx
@@ -5,7 +5,7 @@
     <p:sldMasterId id="2147483648" r:id="rId1"/>
   </p:sldMasterIdLst>
   <p:notesMasterIdLst>
-    <p:notesMasterId r:id="rId14"/>
+    <p:notesMasterId r:id="rId15"/>
   </p:notesMasterIdLst>
   <p:sldIdLst>
     <p:sldId id="256" r:id="rId2"/>
@@ -20,6 +20,7 @@
     <p:sldId id="265" r:id="rId11"/>
     <p:sldId id="266" r:id="rId12"/>
     <p:sldId id="267" r:id="rId13"/>
+    <p:sldId id="268" r:id="rId14"/>
   </p:sldIdLst>
   <p:sldSz cx="12192000" cy="6858000"/>
   <p:notesSz cx="6858000" cy="9144000"/>
@@ -254,7 +255,7 @@
   </p:defaultTextStyle>
   <p:extLst>
     <p:ext uri="http://customooxmlschemas.google.com/">
-      <go:slidesCustomData xmlns:go="http://customooxmlschemas.google.com/" xmlns:ahyp="http://schemas.microsoft.com/office/drawing/2018/hyperlinkcolor" xmlns:p15="http://schemas.microsoft.com/office/powerpoint/2012/main" xmlns:p14="http://schemas.microsoft.com/office/powerpoint/2010/main" xmlns:com="http://schemas.openxmlformats.org/drawingml/2006/compatibility" xmlns:pvml="urn:schemas-microsoft-com:office:powerpoint" xmlns:v="urn:schemas-microsoft-com:vml" xmlns:o="urn:schemas-microsoft-com:office:office" xmlns:dgm="http://schemas.openxmlformats.org/drawingml/2006/diagram" xmlns:c="http://schemas.openxmlformats.org/drawingml/2006/chart" xmlns:mv="urn:schemas-microsoft-com:mac:vml" xmlns:mc="http://schemas.openxmlformats.org/markup-compatibility/2006" xmlns="" r:id="rId17" roundtripDataSignature="AMtx7mhKI9x0WhFVlQPoaiU9jiL4lN60+w=="/>
+      <go:slidesCustomData xmlns:go="http://customooxmlschemas.google.com/" xmlns:ahyp="http://schemas.microsoft.com/office/drawing/2018/hyperlinkcolor" xmlns:p15="http://schemas.microsoft.com/office/powerpoint/2012/main" xmlns:p14="http://schemas.microsoft.com/office/powerpoint/2010/main" xmlns:com="http://schemas.openxmlformats.org/drawingml/2006/compatibility" xmlns:pvml="urn:schemas-microsoft-com:office:powerpoint" xmlns:v="urn:schemas-microsoft-com:vml" xmlns:o="urn:schemas-microsoft-com:office:office" xmlns:dgm="http://schemas.openxmlformats.org/drawingml/2006/diagram" xmlns:c="http://schemas.openxmlformats.org/drawingml/2006/chart" xmlns:mv="urn:schemas-microsoft-com:mac:vml" xmlns:mc="http://schemas.openxmlformats.org/markup-compatibility/2006" xmlns="" r:id="rId18" roundtripDataSignature="AMtx7mgfR0P4NZvjhlvKq3NL052AlTyCKQ=="/>
     </p:ext>
   </p:extLst>
 </p:presentation>
@@ -1074,6 +1075,110 @@
       <p:sp>
         <p:nvSpPr>
           <p:cNvPr id="217" name="Google Shape;217;gd85766bfa8_2_1:notes"/>
+          <p:cNvSpPr txBox="1">
+            <a:spLocks noGrp="1"/>
+          </p:cNvSpPr>
+          <p:nvPr>
+            <p:ph type="body" idx="1"/>
+          </p:nvPr>
+        </p:nvSpPr>
+        <p:spPr>
+          <a:xfrm>
+            <a:off x="685800" y="4343400"/>
+            <a:ext cx="5486400" cy="4114800"/>
+          </a:xfrm>
+          <a:prstGeom prst="rect">
+            <a:avLst/>
+          </a:prstGeom>
+        </p:spPr>
+        <p:txBody>
+          <a:bodyPr spcFirstLastPara="1" wrap="square" lIns="91425" tIns="91425" rIns="91425" bIns="91425" anchor="t" anchorCtr="0">
+            <a:noAutofit/>
+          </a:bodyPr>
+          <a:lstStyle/>
+          <a:p>
+            <a:pPr marL="0" lvl="0" indent="0" algn="l" rtl="0">
+              <a:spcBef>
+                <a:spcPts val="0"/>
+              </a:spcBef>
+              <a:spcAft>
+                <a:spcPts val="0"/>
+              </a:spcAft>
+              <a:buNone/>
+            </a:pPr>
+            <a:endParaRPr/>
+          </a:p>
+        </p:txBody>
+      </p:sp>
+    </p:spTree>
+  </p:cSld>
+  <p:clrMapOvr>
+    <a:masterClrMapping/>
+  </p:clrMapOvr>
+</p:notes>
+</file>
+
+<file path=ppt/notesSlides/notesSlide13.xml><?xml version="1.0" encoding="utf-8"?>
+<p:notes xmlns:a="http://schemas.openxmlformats.org/drawingml/2006/main" xmlns:r="http://schemas.openxmlformats.org/officeDocument/2006/relationships" xmlns:p="http://schemas.openxmlformats.org/presentationml/2006/main" showMasterSp="0" showMasterPhAnim="0">
+  <p:cSld>
+    <p:spTree>
+      <p:nvGrpSpPr>
+        <p:cNvPr id="1" name="Shape 221"/>
+        <p:cNvGrpSpPr/>
+        <p:nvPr/>
+      </p:nvGrpSpPr>
+      <p:grpSpPr>
+        <a:xfrm>
+          <a:off x="0" y="0"/>
+          <a:ext cx="0" cy="0"/>
+          <a:chOff x="0" y="0"/>
+          <a:chExt cx="0" cy="0"/>
+        </a:xfrm>
+      </p:grpSpPr>
+      <p:sp>
+        <p:nvSpPr>
+          <p:cNvPr id="222" name="Google Shape;222;gd87d9f1884_0_0:notes"/>
+          <p:cNvSpPr>
+            <a:spLocks noGrp="1" noRot="1" noChangeAspect="1"/>
+          </p:cNvSpPr>
+          <p:nvPr>
+            <p:ph type="sldImg" idx="2"/>
+          </p:nvPr>
+        </p:nvSpPr>
+        <p:spPr>
+          <a:xfrm>
+            <a:off x="1143225" y="685800"/>
+            <a:ext cx="4572300" cy="3429000"/>
+          </a:xfrm>
+          <a:custGeom>
+            <a:avLst/>
+            <a:gdLst/>
+            <a:ahLst/>
+            <a:cxnLst/>
+            <a:rect l="l" t="t" r="r" b="b"/>
+            <a:pathLst>
+              <a:path w="120000" h="120000" extrusionOk="0">
+                <a:moveTo>
+                  <a:pt x="0" y="0"/>
+                </a:moveTo>
+                <a:lnTo>
+                  <a:pt x="120000" y="0"/>
+                </a:lnTo>
+                <a:lnTo>
+                  <a:pt x="120000" y="120000"/>
+                </a:lnTo>
+                <a:lnTo>
+                  <a:pt x="0" y="120000"/>
+                </a:lnTo>
+                <a:close/>
+              </a:path>
+            </a:pathLst>
+          </a:custGeom>
+        </p:spPr>
+      </p:sp>
+      <p:sp>
+        <p:nvSpPr>
+          <p:cNvPr id="223" name="Google Shape;223;gd87d9f1884_0_0:notes"/>
           <p:cNvSpPr txBox="1">
             <a:spLocks noGrp="1"/>
           </p:cNvSpPr>
@@ -18803,6 +18908,73 @@
 </p:sld>
 </file>
 
+<file path=ppt/slides/slide13.xml><?xml version="1.0" encoding="utf-8"?>
+<p:sld xmlns:a="http://schemas.openxmlformats.org/drawingml/2006/main" xmlns:r="http://schemas.openxmlformats.org/officeDocument/2006/relationships" xmlns:p="http://schemas.openxmlformats.org/presentationml/2006/main">
+  <p:cSld>
+    <p:spTree>
+      <p:nvGrpSpPr>
+        <p:cNvPr id="1" name="Shape 224"/>
+        <p:cNvGrpSpPr/>
+        <p:nvPr/>
+      </p:nvGrpSpPr>
+      <p:grpSpPr>
+        <a:xfrm>
+          <a:off x="0" y="0"/>
+          <a:ext cx="0" cy="0"/>
+          <a:chOff x="0" y="0"/>
+          <a:chExt cx="0" cy="0"/>
+        </a:xfrm>
+      </p:grpSpPr>
+      <p:sp>
+        <p:nvSpPr>
+          <p:cNvPr id="225" name="Google Shape;225;gd87d9f1884_0_0"/>
+          <p:cNvSpPr txBox="1">
+            <a:spLocks noGrp="1"/>
+          </p:cNvSpPr>
+          <p:nvPr>
+            <p:ph type="title"/>
+          </p:nvPr>
+        </p:nvSpPr>
+        <p:spPr>
+          <a:xfrm>
+            <a:off x="1295401" y="1761067"/>
+            <a:ext cx="9590700" cy="1828800"/>
+          </a:xfrm>
+          <a:prstGeom prst="rect">
+            <a:avLst/>
+          </a:prstGeom>
+        </p:spPr>
+        <p:txBody>
+          <a:bodyPr spcFirstLastPara="1" wrap="square" lIns="91425" tIns="45700" rIns="91425" bIns="45700" anchor="b" anchorCtr="0">
+            <a:normAutofit/>
+          </a:bodyPr>
+          <a:lstStyle/>
+          <a:p>
+            <a:pPr marL="0" lvl="0" indent="0" algn="ctr" rtl="0">
+              <a:spcBef>
+                <a:spcPts val="0"/>
+              </a:spcBef>
+              <a:spcAft>
+                <a:spcPts val="0"/>
+              </a:spcAft>
+              <a:buNone/>
+            </a:pPr>
+            <a:r>
+              <a:rPr lang="en-US" sz="7300"/>
+              <a:t>Questions</a:t>
+            </a:r>
+            <a:endParaRPr sz="7300"/>
+          </a:p>
+        </p:txBody>
+      </p:sp>
+    </p:spTree>
+  </p:cSld>
+  <p:clrMapOvr>
+    <a:masterClrMapping/>
+  </p:clrMapOvr>
+</p:sld>
+</file>
+
 <file path=ppt/slides/slide2.xml><?xml version="1.0" encoding="utf-8"?>
 <p:sld xmlns:a="http://schemas.openxmlformats.org/drawingml/2006/main" xmlns:r="http://schemas.openxmlformats.org/officeDocument/2006/relationships" xmlns:p="http://schemas.openxmlformats.org/presentationml/2006/main">
   <p:cSld>
